--- a/High Performance Computing Tutorial.pptx
+++ b/High Performance Computing Tutorial.pptx
@@ -5876,6 +5876,338 @@
           </a:prstGeom>
         </p:spPr>
       </p:pic>
+      <p:sp>
+        <p:nvSpPr>
+          <p:cNvPr id="3" name="矩形 2">
+            <a:extLst>
+              <a:ext uri="{FF2B5EF4-FFF2-40B4-BE49-F238E27FC236}">
+                <a16:creationId xmlns:a16="http://schemas.microsoft.com/office/drawing/2014/main" id="{7357F7E6-B0A1-4C18-BC14-A4637C2D9FCA}"/>
+              </a:ext>
+            </a:extLst>
+          </p:cNvPr>
+          <p:cNvSpPr/>
+          <p:nvPr/>
+        </p:nvSpPr>
+        <p:spPr bwMode="auto">
+          <a:xfrm>
+            <a:off x="3707904" y="2981908"/>
+            <a:ext cx="432048" cy="72008"/>
+          </a:xfrm>
+          <a:prstGeom prst="rect">
+            <a:avLst/>
+          </a:prstGeom>
+          <a:solidFill>
+            <a:schemeClr val="accent1"/>
+          </a:solidFill>
+          <a:ln w="9525" cap="flat" cmpd="sng" algn="ctr">
+            <a:solidFill>
+              <a:schemeClr val="tx1"/>
+            </a:solidFill>
+            <a:prstDash val="solid"/>
+            <a:round/>
+            <a:headEnd type="none" w="med" len="med"/>
+            <a:tailEnd type="none" w="med" len="med"/>
+          </a:ln>
+          <a:effectLst/>
+        </p:spPr>
+        <p:style>
+          <a:lnRef idx="1">
+            <a:schemeClr val="accent1"/>
+          </a:lnRef>
+          <a:fillRef idx="1">
+            <a:schemeClr val="accent1"/>
+          </a:fillRef>
+          <a:effectRef idx="1">
+            <a:schemeClr val="accent1"/>
+          </a:effectRef>
+          <a:fontRef idx="minor">
+            <a:schemeClr val="lt1"/>
+          </a:fontRef>
+        </p:style>
+        <p:txBody>
+          <a:bodyPr vert="horz" wrap="none" lIns="90000" tIns="46800" rIns="90000" bIns="46800" numCol="1" rtlCol="0" anchor="ctr" anchorCtr="0" compatLnSpc="1">
+            <a:prstTxWarp prst="textNoShape">
+              <a:avLst/>
+            </a:prstTxWarp>
+          </a:bodyPr>
+          <a:lstStyle/>
+          <a:p>
+            <a:pPr marL="0" marR="0" indent="0" algn="l" defTabSz="914400" rtl="0" eaLnBrk="1" fontAlgn="base" latinLnBrk="0" hangingPunct="1">
+              <a:lnSpc>
+                <a:spcPct val="100000"/>
+              </a:lnSpc>
+              <a:spcBef>
+                <a:spcPct val="0"/>
+              </a:spcBef>
+              <a:spcAft>
+                <a:spcPct val="0"/>
+              </a:spcAft>
+              <a:buFontTx/>
+              <a:buNone/>
+            </a:pPr>
+            <a:endParaRPr kumimoji="0" lang="zh-TW" altLang="en-US" sz="2000" b="0" i="0" u="none" strike="noStrike" cap="none" normalizeH="0" baseline="0">
+              <a:ln>
+                <a:noFill/>
+              </a:ln>
+              <a:solidFill>
+                <a:schemeClr val="tx1"/>
+              </a:solidFill>
+              <a:effectLst/>
+              <a:uFillTx/>
+              <a:latin typeface="Arial" charset="0"/>
+            </a:endParaRPr>
+          </a:p>
+        </p:txBody>
+      </p:sp>
+      <p:sp>
+        <p:nvSpPr>
+          <p:cNvPr id="5" name="矩形 4">
+            <a:extLst>
+              <a:ext uri="{FF2B5EF4-FFF2-40B4-BE49-F238E27FC236}">
+                <a16:creationId xmlns:a16="http://schemas.microsoft.com/office/drawing/2014/main" id="{CDEE389A-2423-4C5B-BD81-3A7620796AD7}"/>
+              </a:ext>
+            </a:extLst>
+          </p:cNvPr>
+          <p:cNvSpPr/>
+          <p:nvPr/>
+        </p:nvSpPr>
+        <p:spPr bwMode="auto">
+          <a:xfrm>
+            <a:off x="4964855" y="2981908"/>
+            <a:ext cx="432048" cy="72008"/>
+          </a:xfrm>
+          <a:prstGeom prst="rect">
+            <a:avLst/>
+          </a:prstGeom>
+          <a:solidFill>
+            <a:schemeClr val="accent1"/>
+          </a:solidFill>
+          <a:ln w="9525" cap="flat" cmpd="sng" algn="ctr">
+            <a:solidFill>
+              <a:schemeClr val="tx1"/>
+            </a:solidFill>
+            <a:prstDash val="solid"/>
+            <a:round/>
+            <a:headEnd type="none" w="med" len="med"/>
+            <a:tailEnd type="none" w="med" len="med"/>
+          </a:ln>
+          <a:effectLst/>
+        </p:spPr>
+        <p:style>
+          <a:lnRef idx="1">
+            <a:schemeClr val="accent1"/>
+          </a:lnRef>
+          <a:fillRef idx="1">
+            <a:schemeClr val="accent1"/>
+          </a:fillRef>
+          <a:effectRef idx="1">
+            <a:schemeClr val="accent1"/>
+          </a:effectRef>
+          <a:fontRef idx="minor">
+            <a:schemeClr val="lt1"/>
+          </a:fontRef>
+        </p:style>
+        <p:txBody>
+          <a:bodyPr vert="horz" wrap="none" lIns="90000" tIns="46800" rIns="90000" bIns="46800" numCol="1" rtlCol="0" anchor="ctr" anchorCtr="0" compatLnSpc="1">
+            <a:prstTxWarp prst="textNoShape">
+              <a:avLst/>
+            </a:prstTxWarp>
+          </a:bodyPr>
+          <a:lstStyle/>
+          <a:p>
+            <a:pPr marL="0" marR="0" indent="0" algn="l" defTabSz="914400" rtl="0" eaLnBrk="1" fontAlgn="base" latinLnBrk="0" hangingPunct="1">
+              <a:lnSpc>
+                <a:spcPct val="100000"/>
+              </a:lnSpc>
+              <a:spcBef>
+                <a:spcPct val="0"/>
+              </a:spcBef>
+              <a:spcAft>
+                <a:spcPct val="0"/>
+              </a:spcAft>
+              <a:buFontTx/>
+              <a:buNone/>
+            </a:pPr>
+            <a:endParaRPr kumimoji="0" lang="zh-TW" altLang="en-US" sz="2000" b="0" i="0" u="none" strike="noStrike" cap="none" normalizeH="0" baseline="0">
+              <a:ln>
+                <a:noFill/>
+              </a:ln>
+              <a:solidFill>
+                <a:schemeClr val="tx1"/>
+              </a:solidFill>
+              <a:effectLst/>
+              <a:uFillTx/>
+              <a:latin typeface="Arial" charset="0"/>
+            </a:endParaRPr>
+          </a:p>
+        </p:txBody>
+      </p:sp>
+      <p:sp>
+        <p:nvSpPr>
+          <p:cNvPr id="6" name="矩形 5">
+            <a:extLst>
+              <a:ext uri="{FF2B5EF4-FFF2-40B4-BE49-F238E27FC236}">
+                <a16:creationId xmlns:a16="http://schemas.microsoft.com/office/drawing/2014/main" id="{171FDEF2-37A7-44CD-8C05-5004B3A68827}"/>
+              </a:ext>
+            </a:extLst>
+          </p:cNvPr>
+          <p:cNvSpPr/>
+          <p:nvPr/>
+        </p:nvSpPr>
+        <p:spPr bwMode="auto">
+          <a:xfrm>
+            <a:off x="5004048" y="2780928"/>
+            <a:ext cx="288032" cy="144016"/>
+          </a:xfrm>
+          <a:prstGeom prst="rect">
+            <a:avLst/>
+          </a:prstGeom>
+          <a:solidFill>
+            <a:schemeClr val="accent1"/>
+          </a:solidFill>
+          <a:ln w="9525" cap="flat" cmpd="sng" algn="ctr">
+            <a:solidFill>
+              <a:schemeClr val="tx1"/>
+            </a:solidFill>
+            <a:prstDash val="solid"/>
+            <a:round/>
+            <a:headEnd type="none" w="med" len="med"/>
+            <a:tailEnd type="none" w="med" len="med"/>
+          </a:ln>
+          <a:effectLst/>
+        </p:spPr>
+        <p:style>
+          <a:lnRef idx="1">
+            <a:schemeClr val="accent1"/>
+          </a:lnRef>
+          <a:fillRef idx="1">
+            <a:schemeClr val="accent1"/>
+          </a:fillRef>
+          <a:effectRef idx="1">
+            <a:schemeClr val="accent1"/>
+          </a:effectRef>
+          <a:fontRef idx="minor">
+            <a:schemeClr val="lt1"/>
+          </a:fontRef>
+        </p:style>
+        <p:txBody>
+          <a:bodyPr vert="horz" wrap="none" lIns="90000" tIns="46800" rIns="90000" bIns="46800" numCol="1" rtlCol="0" anchor="ctr" anchorCtr="0" compatLnSpc="1">
+            <a:prstTxWarp prst="textNoShape">
+              <a:avLst/>
+            </a:prstTxWarp>
+          </a:bodyPr>
+          <a:lstStyle/>
+          <a:p>
+            <a:pPr marL="0" marR="0" indent="0" algn="l" defTabSz="914400" rtl="0" eaLnBrk="1" fontAlgn="base" latinLnBrk="0" hangingPunct="1">
+              <a:lnSpc>
+                <a:spcPct val="100000"/>
+              </a:lnSpc>
+              <a:spcBef>
+                <a:spcPct val="0"/>
+              </a:spcBef>
+              <a:spcAft>
+                <a:spcPct val="0"/>
+              </a:spcAft>
+              <a:buFontTx/>
+              <a:buNone/>
+            </a:pPr>
+            <a:endParaRPr kumimoji="0" lang="zh-TW" altLang="en-US" sz="2000" b="0" i="0" u="none" strike="noStrike" cap="none" normalizeH="0" baseline="0">
+              <a:ln>
+                <a:noFill/>
+              </a:ln>
+              <a:solidFill>
+                <a:schemeClr val="tx1"/>
+              </a:solidFill>
+              <a:effectLst/>
+              <a:uFillTx/>
+              <a:latin typeface="Arial" charset="0"/>
+            </a:endParaRPr>
+          </a:p>
+        </p:txBody>
+      </p:sp>
+      <p:sp>
+        <p:nvSpPr>
+          <p:cNvPr id="7" name="矩形 6">
+            <a:extLst>
+              <a:ext uri="{FF2B5EF4-FFF2-40B4-BE49-F238E27FC236}">
+                <a16:creationId xmlns:a16="http://schemas.microsoft.com/office/drawing/2014/main" id="{4B33BC41-E1DB-4F17-B4BC-53D5F7CCF985}"/>
+              </a:ext>
+            </a:extLst>
+          </p:cNvPr>
+          <p:cNvSpPr/>
+          <p:nvPr/>
+        </p:nvSpPr>
+        <p:spPr bwMode="auto">
+          <a:xfrm>
+            <a:off x="2195736" y="2564904"/>
+            <a:ext cx="360040" cy="216024"/>
+          </a:xfrm>
+          <a:prstGeom prst="rect">
+            <a:avLst/>
+          </a:prstGeom>
+          <a:solidFill>
+            <a:schemeClr val="accent1"/>
+          </a:solidFill>
+          <a:ln w="9525" cap="flat" cmpd="sng" algn="ctr">
+            <a:solidFill>
+              <a:schemeClr val="tx1"/>
+            </a:solidFill>
+            <a:prstDash val="solid"/>
+            <a:round/>
+            <a:headEnd type="none" w="med" len="med"/>
+            <a:tailEnd type="none" w="med" len="med"/>
+          </a:ln>
+          <a:effectLst/>
+        </p:spPr>
+        <p:style>
+          <a:lnRef idx="1">
+            <a:schemeClr val="accent1"/>
+          </a:lnRef>
+          <a:fillRef idx="1">
+            <a:schemeClr val="accent1"/>
+          </a:fillRef>
+          <a:effectRef idx="1">
+            <a:schemeClr val="accent1"/>
+          </a:effectRef>
+          <a:fontRef idx="minor">
+            <a:schemeClr val="lt1"/>
+          </a:fontRef>
+        </p:style>
+        <p:txBody>
+          <a:bodyPr vert="horz" wrap="none" lIns="90000" tIns="46800" rIns="90000" bIns="46800" numCol="1" rtlCol="0" anchor="ctr" anchorCtr="0" compatLnSpc="1">
+            <a:prstTxWarp prst="textNoShape">
+              <a:avLst/>
+            </a:prstTxWarp>
+          </a:bodyPr>
+          <a:lstStyle/>
+          <a:p>
+            <a:pPr marL="0" marR="0" indent="0" algn="l" defTabSz="914400" rtl="0" eaLnBrk="1" fontAlgn="base" latinLnBrk="0" hangingPunct="1">
+              <a:lnSpc>
+                <a:spcPct val="100000"/>
+              </a:lnSpc>
+              <a:spcBef>
+                <a:spcPct val="0"/>
+              </a:spcBef>
+              <a:spcAft>
+                <a:spcPct val="0"/>
+              </a:spcAft>
+              <a:buFontTx/>
+              <a:buNone/>
+            </a:pPr>
+            <a:endParaRPr kumimoji="0" lang="zh-TW" altLang="en-US" sz="2000" b="0" i="0" u="none" strike="noStrike" cap="none" normalizeH="0" baseline="0">
+              <a:ln>
+                <a:noFill/>
+              </a:ln>
+              <a:solidFill>
+                <a:schemeClr val="tx1"/>
+              </a:solidFill>
+              <a:effectLst/>
+              <a:uFillTx/>
+              <a:latin typeface="Arial" charset="0"/>
+            </a:endParaRPr>
+          </a:p>
+        </p:txBody>
+      </p:sp>
     </p:spTree>
     <p:extLst>
       <p:ext uri="{BB962C8B-B14F-4D97-AF65-F5344CB8AC3E}">
@@ -5906,6 +6238,38 @@
           <a:chExt cx="0" cy="0"/>
         </a:xfrm>
       </p:grpSpPr>
+      <p:pic>
+        <p:nvPicPr>
+          <p:cNvPr id="23" name="內容版面配置區 22">
+            <a:extLst>
+              <a:ext uri="{FF2B5EF4-FFF2-40B4-BE49-F238E27FC236}">
+                <a16:creationId xmlns:a16="http://schemas.microsoft.com/office/drawing/2014/main" id="{D09C23B2-2D92-46A5-8F7C-552CA272089C}"/>
+              </a:ext>
+            </a:extLst>
+          </p:cNvPr>
+          <p:cNvPicPr>
+            <a:picLocks noGrp="1" noChangeAspect="1"/>
+          </p:cNvPicPr>
+          <p:nvPr>
+            <p:ph idx="1"/>
+          </p:nvPr>
+        </p:nvPicPr>
+        <p:blipFill>
+          <a:blip r:embed="rId2"/>
+          <a:stretch>
+            <a:fillRect/>
+          </a:stretch>
+        </p:blipFill>
+        <p:spPr>
+          <a:xfrm>
+            <a:off x="295275" y="1596576"/>
+            <a:ext cx="8524875" cy="4241110"/>
+          </a:xfrm>
+          <a:prstGeom prst="rect">
+            <a:avLst/>
+          </a:prstGeom>
+        </p:spPr>
+      </p:pic>
       <p:sp>
         <p:nvSpPr>
           <p:cNvPr id="2" name="標題 1">
@@ -5939,38 +6303,6 @@
           </a:p>
         </p:txBody>
       </p:sp>
-      <p:pic>
-        <p:nvPicPr>
-          <p:cNvPr id="4" name="內容版面配置區 3">
-            <a:extLst>
-              <a:ext uri="{FF2B5EF4-FFF2-40B4-BE49-F238E27FC236}">
-                <a16:creationId xmlns:a16="http://schemas.microsoft.com/office/drawing/2014/main" id="{08D68B96-0A22-476E-9CB0-936EBD7A7122}"/>
-              </a:ext>
-            </a:extLst>
-          </p:cNvPr>
-          <p:cNvPicPr>
-            <a:picLocks noGrp="1" noChangeAspect="1"/>
-          </p:cNvPicPr>
-          <p:nvPr>
-            <p:ph idx="1"/>
-          </p:nvPr>
-        </p:nvPicPr>
-        <p:blipFill>
-          <a:blip r:embed="rId2"/>
-          <a:stretch>
-            <a:fillRect/>
-          </a:stretch>
-        </p:blipFill>
-        <p:spPr>
-          <a:xfrm>
-            <a:off x="295275" y="1595153"/>
-            <a:ext cx="8524875" cy="4243956"/>
-          </a:xfrm>
-          <a:prstGeom prst="rect">
-            <a:avLst/>
-          </a:prstGeom>
-        </p:spPr>
-      </p:pic>
       <p:sp>
         <p:nvSpPr>
           <p:cNvPr id="3" name="矩形 2">
@@ -6265,8 +6597,14 @@
           <p:nvPr/>
         </p:nvPicPr>
         <p:blipFill rotWithShape="1">
-          <a:blip r:embed="rId3"/>
-          <a:srcRect l="1838" t="1452" r="2606" b="3290"/>
+          <a:blip r:embed="rId3">
+            <a:extLst>
+              <a:ext uri="{28A0092B-C50C-407E-A947-70E740481C1C}">
+                <a14:useLocalDpi xmlns:a14="http://schemas.microsoft.com/office/drawing/2010/main"/>
+              </a:ext>
+            </a:extLst>
+          </a:blip>
+          <a:srcRect/>
           <a:stretch/>
         </p:blipFill>
         <p:spPr>
